--- a/6020_Graph_2/D2D/Week_05 (2nd pass)/2nd pass effects.pptx
+++ b/6020_Graph_2/D2D/Week_05 (2nd pass)/2nd pass effects.pptx
@@ -8,8 +8,10 @@
     <p:sldId id="261" r:id="rId2"/>
     <p:sldId id="257" r:id="rId3"/>
     <p:sldId id="258" r:id="rId4"/>
-    <p:sldId id="259" r:id="rId5"/>
-    <p:sldId id="260" r:id="rId6"/>
+    <p:sldId id="262" r:id="rId5"/>
+    <p:sldId id="259" r:id="rId6"/>
+    <p:sldId id="263" r:id="rId7"/>
+    <p:sldId id="260" r:id="rId8"/>
   </p:sldIdLst>
   <p:sldSz cx="12192000" cy="6858000"/>
   <p:notesSz cx="6858000" cy="9144000"/>
@@ -517,7 +519,7 @@
           <a:p>
             <a:fld id="{6FD62889-B4F9-4BAB-9203-1DBCFD1C949F}" type="datetimeFigureOut">
               <a:rPr lang="en-CA" smtClean="0"/>
-              <a:t>2024-02-01</a:t>
+              <a:t>2024-02-08</a:t>
             </a:fld>
             <a:endParaRPr lang="en-CA"/>
           </a:p>
@@ -717,7 +719,7 @@
           <a:p>
             <a:fld id="{6FD62889-B4F9-4BAB-9203-1DBCFD1C949F}" type="datetimeFigureOut">
               <a:rPr lang="en-CA" smtClean="0"/>
-              <a:t>2024-02-01</a:t>
+              <a:t>2024-02-08</a:t>
             </a:fld>
             <a:endParaRPr lang="en-CA"/>
           </a:p>
@@ -927,7 +929,7 @@
           <a:p>
             <a:fld id="{6FD62889-B4F9-4BAB-9203-1DBCFD1C949F}" type="datetimeFigureOut">
               <a:rPr lang="en-CA" smtClean="0"/>
-              <a:t>2024-02-01</a:t>
+              <a:t>2024-02-08</a:t>
             </a:fld>
             <a:endParaRPr lang="en-CA"/>
           </a:p>
@@ -1127,7 +1129,7 @@
           <a:p>
             <a:fld id="{6FD62889-B4F9-4BAB-9203-1DBCFD1C949F}" type="datetimeFigureOut">
               <a:rPr lang="en-CA" smtClean="0"/>
-              <a:t>2024-02-01</a:t>
+              <a:t>2024-02-08</a:t>
             </a:fld>
             <a:endParaRPr lang="en-CA"/>
           </a:p>
@@ -1403,7 +1405,7 @@
           <a:p>
             <a:fld id="{6FD62889-B4F9-4BAB-9203-1DBCFD1C949F}" type="datetimeFigureOut">
               <a:rPr lang="en-CA" smtClean="0"/>
-              <a:t>2024-02-01</a:t>
+              <a:t>2024-02-08</a:t>
             </a:fld>
             <a:endParaRPr lang="en-CA"/>
           </a:p>
@@ -1671,7 +1673,7 @@
           <a:p>
             <a:fld id="{6FD62889-B4F9-4BAB-9203-1DBCFD1C949F}" type="datetimeFigureOut">
               <a:rPr lang="en-CA" smtClean="0"/>
-              <a:t>2024-02-01</a:t>
+              <a:t>2024-02-08</a:t>
             </a:fld>
             <a:endParaRPr lang="en-CA"/>
           </a:p>
@@ -2086,7 +2088,7 @@
           <a:p>
             <a:fld id="{6FD62889-B4F9-4BAB-9203-1DBCFD1C949F}" type="datetimeFigureOut">
               <a:rPr lang="en-CA" smtClean="0"/>
-              <a:t>2024-02-01</a:t>
+              <a:t>2024-02-08</a:t>
             </a:fld>
             <a:endParaRPr lang="en-CA"/>
           </a:p>
@@ -2228,7 +2230,7 @@
           <a:p>
             <a:fld id="{6FD62889-B4F9-4BAB-9203-1DBCFD1C949F}" type="datetimeFigureOut">
               <a:rPr lang="en-CA" smtClean="0"/>
-              <a:t>2024-02-01</a:t>
+              <a:t>2024-02-08</a:t>
             </a:fld>
             <a:endParaRPr lang="en-CA"/>
           </a:p>
@@ -2341,7 +2343,7 @@
           <a:p>
             <a:fld id="{6FD62889-B4F9-4BAB-9203-1DBCFD1C949F}" type="datetimeFigureOut">
               <a:rPr lang="en-CA" smtClean="0"/>
-              <a:t>2024-02-01</a:t>
+              <a:t>2024-02-08</a:t>
             </a:fld>
             <a:endParaRPr lang="en-CA"/>
           </a:p>
@@ -2654,7 +2656,7 @@
           <a:p>
             <a:fld id="{6FD62889-B4F9-4BAB-9203-1DBCFD1C949F}" type="datetimeFigureOut">
               <a:rPr lang="en-CA" smtClean="0"/>
-              <a:t>2024-02-01</a:t>
+              <a:t>2024-02-08</a:t>
             </a:fld>
             <a:endParaRPr lang="en-CA"/>
           </a:p>
@@ -2943,7 +2945,7 @@
           <a:p>
             <a:fld id="{6FD62889-B4F9-4BAB-9203-1DBCFD1C949F}" type="datetimeFigureOut">
               <a:rPr lang="en-CA" smtClean="0"/>
-              <a:t>2024-02-01</a:t>
+              <a:t>2024-02-08</a:t>
             </a:fld>
             <a:endParaRPr lang="en-CA"/>
           </a:p>
@@ -3186,7 +3188,7 @@
           <a:p>
             <a:fld id="{6FD62889-B4F9-4BAB-9203-1DBCFD1C949F}" type="datetimeFigureOut">
               <a:rPr lang="en-CA" smtClean="0"/>
-              <a:t>2024-02-01</a:t>
+              <a:t>2024-02-08</a:t>
             </a:fld>
             <a:endParaRPr lang="en-CA"/>
           </a:p>
@@ -3686,362 +3688,42 @@
           <a:chExt cx="0" cy="0"/>
         </a:xfrm>
       </p:grpSpPr>
-      <p:sp>
-        <p:nvSpPr>
-          <p:cNvPr id="2" name="Rectangle: Rounded Corners 1">
-            <a:extLst>
-              <a:ext uri="{FF2B5EF4-FFF2-40B4-BE49-F238E27FC236}">
-                <a16:creationId xmlns:a16="http://schemas.microsoft.com/office/drawing/2014/main" id="{F372B375-F8A7-6CC3-EB79-2633762CFC2E}"/>
-              </a:ext>
-            </a:extLst>
-          </p:cNvPr>
-          <p:cNvSpPr/>
+      <p:pic>
+        <p:nvPicPr>
+          <p:cNvPr id="8" name="Picture 7">
+            <a:extLst>
+              <a:ext uri="{FF2B5EF4-FFF2-40B4-BE49-F238E27FC236}">
+                <a16:creationId xmlns:a16="http://schemas.microsoft.com/office/drawing/2014/main" id="{37E00CEB-8DBB-9894-385C-7B5F9290BAE3}"/>
+              </a:ext>
+            </a:extLst>
+          </p:cNvPr>
+          <p:cNvPicPr>
+            <a:picLocks noChangeAspect="1"/>
+          </p:cNvPicPr>
           <p:nvPr/>
-        </p:nvSpPr>
+        </p:nvPicPr>
+        <p:blipFill>
+          <a:blip r:embed="rId2"/>
+          <a:stretch>
+            <a:fillRect/>
+          </a:stretch>
+        </p:blipFill>
         <p:spPr>
           <a:xfrm>
-            <a:off x="5279571" y="304800"/>
-            <a:ext cx="5889172" cy="5617029"/>
+            <a:off x="5572760" y="621792"/>
+            <a:ext cx="5640832" cy="3172968"/>
           </a:xfrm>
-          <a:prstGeom prst="roundRect">
+          <a:prstGeom prst="rect">
             <a:avLst/>
           </a:prstGeom>
         </p:spPr>
-        <p:style>
-          <a:lnRef idx="2">
-            <a:schemeClr val="accent4">
-              <a:shade val="50000"/>
-            </a:schemeClr>
-          </a:lnRef>
-          <a:fillRef idx="1">
-            <a:schemeClr val="accent4"/>
-          </a:fillRef>
-          <a:effectRef idx="0">
-            <a:schemeClr val="accent4"/>
-          </a:effectRef>
-          <a:fontRef idx="minor">
-            <a:schemeClr val="lt1"/>
-          </a:fontRef>
-        </p:style>
-        <p:txBody>
-          <a:bodyPr rtlCol="0" anchor="ctr"/>
-          <a:lstStyle/>
-          <a:p>
-            <a:pPr algn="ctr"/>
-            <a:r>
-              <a:rPr lang="en-CA" sz="4400" b="1" dirty="0">
-                <a:ln w="22225">
-                  <a:solidFill>
-                    <a:schemeClr val="accent2"/>
-                  </a:solidFill>
-                  <a:prstDash val="solid"/>
-                </a:ln>
-                <a:solidFill>
-                  <a:schemeClr val="bg2">
-                    <a:lumMod val="10000"/>
-                  </a:schemeClr>
-                </a:solidFill>
-              </a:rPr>
-              <a:t>FBO</a:t>
-            </a:r>
-          </a:p>
-          <a:p>
-            <a:pPr algn="ctr"/>
-            <a:endParaRPr lang="en-CA" b="1" dirty="0">
-              <a:ln w="22225">
-                <a:solidFill>
-                  <a:schemeClr val="accent2"/>
-                </a:solidFill>
-                <a:prstDash val="solid"/>
-              </a:ln>
-              <a:solidFill>
-                <a:schemeClr val="accent2">
-                  <a:lumMod val="40000"/>
-                  <a:lumOff val="60000"/>
-                </a:schemeClr>
-              </a:solidFill>
-            </a:endParaRPr>
-          </a:p>
-          <a:p>
-            <a:pPr algn="ctr"/>
-            <a:endParaRPr lang="en-CA" b="1" dirty="0">
-              <a:ln w="22225">
-                <a:solidFill>
-                  <a:schemeClr val="accent2"/>
-                </a:solidFill>
-                <a:prstDash val="solid"/>
-              </a:ln>
-              <a:solidFill>
-                <a:schemeClr val="accent2">
-                  <a:lumMod val="40000"/>
-                  <a:lumOff val="60000"/>
-                </a:schemeClr>
-              </a:solidFill>
-            </a:endParaRPr>
-          </a:p>
-          <a:p>
-            <a:pPr algn="ctr"/>
-            <a:endParaRPr lang="en-CA" b="1" dirty="0">
-              <a:ln w="22225">
-                <a:solidFill>
-                  <a:schemeClr val="accent2"/>
-                </a:solidFill>
-                <a:prstDash val="solid"/>
-              </a:ln>
-              <a:solidFill>
-                <a:schemeClr val="accent2">
-                  <a:lumMod val="40000"/>
-                  <a:lumOff val="60000"/>
-                </a:schemeClr>
-              </a:solidFill>
-            </a:endParaRPr>
-          </a:p>
-          <a:p>
-            <a:pPr algn="ctr"/>
-            <a:endParaRPr lang="en-CA" b="1" dirty="0">
-              <a:ln w="22225">
-                <a:solidFill>
-                  <a:schemeClr val="accent2"/>
-                </a:solidFill>
-                <a:prstDash val="solid"/>
-              </a:ln>
-              <a:solidFill>
-                <a:schemeClr val="accent2">
-                  <a:lumMod val="40000"/>
-                  <a:lumOff val="60000"/>
-                </a:schemeClr>
-              </a:solidFill>
-            </a:endParaRPr>
-          </a:p>
-          <a:p>
-            <a:pPr algn="ctr"/>
-            <a:endParaRPr lang="en-CA" b="1" dirty="0">
-              <a:ln w="22225">
-                <a:solidFill>
-                  <a:schemeClr val="accent2"/>
-                </a:solidFill>
-                <a:prstDash val="solid"/>
-              </a:ln>
-              <a:solidFill>
-                <a:schemeClr val="accent2">
-                  <a:lumMod val="40000"/>
-                  <a:lumOff val="60000"/>
-                </a:schemeClr>
-              </a:solidFill>
-            </a:endParaRPr>
-          </a:p>
-          <a:p>
-            <a:pPr algn="ctr"/>
-            <a:endParaRPr lang="en-CA" b="1" dirty="0">
-              <a:ln w="22225">
-                <a:solidFill>
-                  <a:schemeClr val="accent2"/>
-                </a:solidFill>
-                <a:prstDash val="solid"/>
-              </a:ln>
-              <a:solidFill>
-                <a:schemeClr val="accent2">
-                  <a:lumMod val="40000"/>
-                  <a:lumOff val="60000"/>
-                </a:schemeClr>
-              </a:solidFill>
-            </a:endParaRPr>
-          </a:p>
-          <a:p>
-            <a:pPr algn="ctr"/>
-            <a:endParaRPr lang="en-CA" b="1" dirty="0">
-              <a:ln w="22225">
-                <a:solidFill>
-                  <a:schemeClr val="accent2"/>
-                </a:solidFill>
-                <a:prstDash val="solid"/>
-              </a:ln>
-              <a:solidFill>
-                <a:schemeClr val="accent2">
-                  <a:lumMod val="40000"/>
-                  <a:lumOff val="60000"/>
-                </a:schemeClr>
-              </a:solidFill>
-            </a:endParaRPr>
-          </a:p>
-          <a:p>
-            <a:pPr algn="ctr"/>
-            <a:endParaRPr lang="en-CA" b="1" dirty="0">
-              <a:ln w="22225">
-                <a:solidFill>
-                  <a:schemeClr val="accent2"/>
-                </a:solidFill>
-                <a:prstDash val="solid"/>
-              </a:ln>
-              <a:solidFill>
-                <a:schemeClr val="accent2">
-                  <a:lumMod val="40000"/>
-                  <a:lumOff val="60000"/>
-                </a:schemeClr>
-              </a:solidFill>
-            </a:endParaRPr>
-          </a:p>
-          <a:p>
-            <a:pPr algn="ctr"/>
-            <a:endParaRPr lang="en-CA" b="1" dirty="0">
-              <a:ln w="22225">
-                <a:solidFill>
-                  <a:schemeClr val="accent2"/>
-                </a:solidFill>
-                <a:prstDash val="solid"/>
-              </a:ln>
-              <a:solidFill>
-                <a:schemeClr val="accent2">
-                  <a:lumMod val="40000"/>
-                  <a:lumOff val="60000"/>
-                </a:schemeClr>
-              </a:solidFill>
-            </a:endParaRPr>
-          </a:p>
-          <a:p>
-            <a:pPr algn="ctr"/>
-            <a:endParaRPr lang="en-CA" b="1" dirty="0">
-              <a:ln w="22225">
-                <a:solidFill>
-                  <a:schemeClr val="accent2"/>
-                </a:solidFill>
-                <a:prstDash val="solid"/>
-              </a:ln>
-              <a:solidFill>
-                <a:schemeClr val="accent2">
-                  <a:lumMod val="40000"/>
-                  <a:lumOff val="60000"/>
-                </a:schemeClr>
-              </a:solidFill>
-            </a:endParaRPr>
-          </a:p>
-          <a:p>
-            <a:pPr algn="ctr"/>
-            <a:endParaRPr lang="en-CA" b="1" dirty="0">
-              <a:ln w="22225">
-                <a:solidFill>
-                  <a:schemeClr val="accent2"/>
-                </a:solidFill>
-                <a:prstDash val="solid"/>
-              </a:ln>
-              <a:solidFill>
-                <a:schemeClr val="accent2">
-                  <a:lumMod val="40000"/>
-                  <a:lumOff val="60000"/>
-                </a:schemeClr>
-              </a:solidFill>
-            </a:endParaRPr>
-          </a:p>
-          <a:p>
-            <a:pPr algn="ctr"/>
-            <a:endParaRPr lang="en-CA" b="1" dirty="0">
-              <a:ln w="22225">
-                <a:solidFill>
-                  <a:schemeClr val="accent2"/>
-                </a:solidFill>
-                <a:prstDash val="solid"/>
-              </a:ln>
-              <a:solidFill>
-                <a:schemeClr val="accent2">
-                  <a:lumMod val="40000"/>
-                  <a:lumOff val="60000"/>
-                </a:schemeClr>
-              </a:solidFill>
-            </a:endParaRPr>
-          </a:p>
-          <a:p>
-            <a:pPr algn="ctr"/>
-            <a:endParaRPr lang="en-CA" b="1" dirty="0">
-              <a:ln w="22225">
-                <a:solidFill>
-                  <a:schemeClr val="accent2"/>
-                </a:solidFill>
-                <a:prstDash val="solid"/>
-              </a:ln>
-              <a:solidFill>
-                <a:schemeClr val="accent2">
-                  <a:lumMod val="40000"/>
-                  <a:lumOff val="60000"/>
-                </a:schemeClr>
-              </a:solidFill>
-            </a:endParaRPr>
-          </a:p>
-          <a:p>
-            <a:pPr algn="ctr"/>
-            <a:endParaRPr lang="en-CA" b="1" dirty="0">
-              <a:ln w="22225">
-                <a:solidFill>
-                  <a:schemeClr val="accent2"/>
-                </a:solidFill>
-                <a:prstDash val="solid"/>
-              </a:ln>
-              <a:solidFill>
-                <a:schemeClr val="accent2">
-                  <a:lumMod val="40000"/>
-                  <a:lumOff val="60000"/>
-                </a:schemeClr>
-              </a:solidFill>
-            </a:endParaRPr>
-          </a:p>
-          <a:p>
-            <a:pPr algn="ctr"/>
-            <a:endParaRPr lang="en-CA" b="1" dirty="0">
-              <a:ln w="22225">
-                <a:solidFill>
-                  <a:schemeClr val="accent2"/>
-                </a:solidFill>
-                <a:prstDash val="solid"/>
-              </a:ln>
-              <a:solidFill>
-                <a:schemeClr val="accent2">
-                  <a:lumMod val="40000"/>
-                  <a:lumOff val="60000"/>
-                </a:schemeClr>
-              </a:solidFill>
-            </a:endParaRPr>
-          </a:p>
-          <a:p>
-            <a:pPr algn="ctr"/>
-            <a:endParaRPr lang="en-CA" b="1" dirty="0">
-              <a:ln w="22225">
-                <a:solidFill>
-                  <a:schemeClr val="accent2"/>
-                </a:solidFill>
-                <a:prstDash val="solid"/>
-              </a:ln>
-              <a:solidFill>
-                <a:schemeClr val="accent2">
-                  <a:lumMod val="40000"/>
-                  <a:lumOff val="60000"/>
-                </a:schemeClr>
-              </a:solidFill>
-            </a:endParaRPr>
-          </a:p>
-          <a:p>
-            <a:pPr algn="ctr"/>
-            <a:endParaRPr lang="en-CA" b="1" dirty="0">
-              <a:ln w="22225">
-                <a:solidFill>
-                  <a:schemeClr val="accent2"/>
-                </a:solidFill>
-                <a:prstDash val="solid"/>
-              </a:ln>
-              <a:solidFill>
-                <a:schemeClr val="accent2">
-                  <a:lumMod val="40000"/>
-                  <a:lumOff val="60000"/>
-                </a:schemeClr>
-              </a:solidFill>
-            </a:endParaRPr>
-          </a:p>
-        </p:txBody>
-      </p:sp>
-      <p:sp>
-        <p:nvSpPr>
-          <p:cNvPr id="4" name="Rectangle: Rounded Corners 3">
-            <a:extLst>
-              <a:ext uri="{FF2B5EF4-FFF2-40B4-BE49-F238E27FC236}">
-                <a16:creationId xmlns:a16="http://schemas.microsoft.com/office/drawing/2014/main" id="{9979CD26-5D33-1713-6AE3-E266F8DE4EF0}"/>
+      </p:pic>
+      <p:sp>
+        <p:nvSpPr>
+          <p:cNvPr id="9" name="Oval 8">
+            <a:extLst>
+              <a:ext uri="{FF2B5EF4-FFF2-40B4-BE49-F238E27FC236}">
+                <a16:creationId xmlns:a16="http://schemas.microsoft.com/office/drawing/2014/main" id="{14174632-97BB-FFE2-B02D-42408C756725}"/>
               </a:ext>
             </a:extLst>
           </p:cNvPr>
@@ -4050,17 +3732,25 @@
         </p:nvSpPr>
         <p:spPr>
           <a:xfrm>
-            <a:off x="576943" y="1926771"/>
-            <a:ext cx="2819400" cy="1719943"/>
+            <a:off x="2505456" y="2651760"/>
+            <a:ext cx="987552" cy="987552"/>
           </a:xfrm>
-          <a:prstGeom prst="roundRect">
+          <a:prstGeom prst="ellipse">
             <a:avLst/>
           </a:prstGeom>
+          <a:solidFill>
+            <a:schemeClr val="tx1"/>
+          </a:solidFill>
+          <a:ln>
+            <a:solidFill>
+              <a:srgbClr val="7030A0"/>
+            </a:solidFill>
+          </a:ln>
         </p:spPr>
         <p:style>
           <a:lnRef idx="2">
             <a:schemeClr val="accent1">
-              <a:shade val="50000"/>
+              <a:shade val="15000"/>
             </a:schemeClr>
           </a:lnRef>
           <a:fillRef idx="1">
@@ -4080,17 +3770,17 @@
             <a:pPr algn="ctr"/>
             <a:r>
               <a:rPr lang="en-CA" dirty="0"/>
-              <a:t>OpenGL</a:t>
-            </a:r>
-          </a:p>
-        </p:txBody>
-      </p:sp>
-      <p:sp>
-        <p:nvSpPr>
-          <p:cNvPr id="5" name="Rectangle 4">
-            <a:extLst>
-              <a:ext uri="{FF2B5EF4-FFF2-40B4-BE49-F238E27FC236}">
-                <a16:creationId xmlns:a16="http://schemas.microsoft.com/office/drawing/2014/main" id="{3E7C39FD-0879-82C0-AEBB-0AF6AE49EABF}"/>
+              <a:t>UV</a:t>
+            </a:r>
+          </a:p>
+        </p:txBody>
+      </p:sp>
+      <p:sp>
+        <p:nvSpPr>
+          <p:cNvPr id="10" name="Oval 9">
+            <a:extLst>
+              <a:ext uri="{FF2B5EF4-FFF2-40B4-BE49-F238E27FC236}">
+                <a16:creationId xmlns:a16="http://schemas.microsoft.com/office/drawing/2014/main" id="{32177BBA-9A7E-A1C6-F365-BBC484E7DDF0}"/>
               </a:ext>
             </a:extLst>
           </p:cNvPr>
@@ -4099,17 +3789,25 @@
         </p:nvSpPr>
         <p:spPr>
           <a:xfrm>
-            <a:off x="5780315" y="1349828"/>
-            <a:ext cx="4887686" cy="1981200"/>
+            <a:off x="1353312" y="3566160"/>
+            <a:ext cx="987552" cy="987552"/>
           </a:xfrm>
-          <a:prstGeom prst="rect">
+          <a:prstGeom prst="ellipse">
             <a:avLst/>
           </a:prstGeom>
+          <a:solidFill>
+            <a:srgbClr val="FF0000"/>
+          </a:solidFill>
+          <a:ln>
+            <a:solidFill>
+              <a:srgbClr val="FF0000"/>
+            </a:solidFill>
+          </a:ln>
         </p:spPr>
         <p:style>
           <a:lnRef idx="2">
             <a:schemeClr val="accent1">
-              <a:shade val="50000"/>
+              <a:shade val="15000"/>
             </a:schemeClr>
           </a:lnRef>
           <a:fillRef idx="1">
@@ -4129,42 +3827,17 @@
             <a:pPr algn="ctr"/>
             <a:r>
               <a:rPr lang="en-CA" dirty="0"/>
-              <a:t>Color buffer (2D Array)</a:t>
-            </a:r>
-          </a:p>
-          <a:p>
-            <a:pPr algn="ctr"/>
-            <a:r>
-              <a:rPr lang="en-CA" dirty="0"/>
-              <a:t>RGBA8</a:t>
-            </a:r>
-          </a:p>
-          <a:p>
-            <a:pPr algn="ctr"/>
-            <a:r>
-              <a:rPr lang="en-CA" dirty="0"/>
-              <a:t>(8 bits/pixel = 32 bits)</a:t>
-            </a:r>
-          </a:p>
-          <a:p>
-            <a:pPr algn="ctr"/>
-            <a:endParaRPr lang="en-CA" dirty="0"/>
-          </a:p>
-          <a:p>
-            <a:pPr algn="ctr"/>
-            <a:r>
-              <a:rPr lang="en-CA" dirty="0"/>
-              <a:t>Can have up to 8 of these COLOR buffers</a:t>
-            </a:r>
-          </a:p>
-        </p:txBody>
-      </p:sp>
-      <p:sp>
-        <p:nvSpPr>
-          <p:cNvPr id="6" name="Rectangle 5">
-            <a:extLst>
-              <a:ext uri="{FF2B5EF4-FFF2-40B4-BE49-F238E27FC236}">
-                <a16:creationId xmlns:a16="http://schemas.microsoft.com/office/drawing/2014/main" id="{E71148E5-0E11-428D-E0D4-1AA290C46801}"/>
+              <a:t>RED</a:t>
+            </a:r>
+          </a:p>
+        </p:txBody>
+      </p:sp>
+      <p:sp>
+        <p:nvSpPr>
+          <p:cNvPr id="11" name="Oval 10">
+            <a:extLst>
+              <a:ext uri="{FF2B5EF4-FFF2-40B4-BE49-F238E27FC236}">
+                <a16:creationId xmlns:a16="http://schemas.microsoft.com/office/drawing/2014/main" id="{7EC759C9-74F4-F3CD-B63A-57418CF7F692}"/>
               </a:ext>
             </a:extLst>
           </p:cNvPr>
@@ -4173,17 +3846,17 @@
         </p:nvSpPr>
         <p:spPr>
           <a:xfrm>
-            <a:off x="5780315" y="3526971"/>
-            <a:ext cx="4887686" cy="1981200"/>
+            <a:off x="3298444" y="1316736"/>
+            <a:ext cx="987552" cy="987552"/>
           </a:xfrm>
-          <a:prstGeom prst="rect">
+          <a:prstGeom prst="ellipse">
             <a:avLst/>
           </a:prstGeom>
         </p:spPr>
         <p:style>
           <a:lnRef idx="2">
             <a:schemeClr val="accent1">
-              <a:shade val="50000"/>
+              <a:shade val="15000"/>
             </a:schemeClr>
           </a:lnRef>
           <a:fillRef idx="1">
@@ -4202,36 +3875,18 @@
           <a:p>
             <a:pPr algn="ctr"/>
             <a:r>
-              <a:rPr lang="en-CA" b="1" dirty="0"/>
-              <a:t>Depth buffer </a:t>
-            </a:r>
-            <a:r>
               <a:rPr lang="en-CA" dirty="0"/>
-              <a:t>(2D Array)</a:t>
-            </a:r>
-          </a:p>
-          <a:p>
-            <a:pPr algn="ctr"/>
-            <a:r>
-              <a:rPr lang="en-CA" dirty="0"/>
-              <a:t>(common depth = 24 bits)</a:t>
-            </a:r>
-          </a:p>
-          <a:p>
-            <a:pPr algn="ctr"/>
-            <a:r>
-              <a:rPr lang="en-CA" dirty="0"/>
-              <a:t>(stencil = 8 bit)</a:t>
-            </a:r>
-          </a:p>
-        </p:txBody>
-      </p:sp>
-      <p:sp>
-        <p:nvSpPr>
-          <p:cNvPr id="7" name="Arrow: Right 6">
-            <a:extLst>
-              <a:ext uri="{FF2B5EF4-FFF2-40B4-BE49-F238E27FC236}">
-                <a16:creationId xmlns:a16="http://schemas.microsoft.com/office/drawing/2014/main" id="{E6B56AD9-14A0-BCC1-2712-A4DF28CE23F9}"/>
+              <a:t>BLUE</a:t>
+            </a:r>
+          </a:p>
+        </p:txBody>
+      </p:sp>
+      <p:sp>
+        <p:nvSpPr>
+          <p:cNvPr id="12" name="Oval 11">
+            <a:extLst>
+              <a:ext uri="{FF2B5EF4-FFF2-40B4-BE49-F238E27FC236}">
+                <a16:creationId xmlns:a16="http://schemas.microsoft.com/office/drawing/2014/main" id="{93F22191-9ACF-AC2D-E099-EDB72C83E83F}"/>
               </a:ext>
             </a:extLst>
           </p:cNvPr>
@@ -4240,17 +3895,20 @@
         </p:nvSpPr>
         <p:spPr>
           <a:xfrm>
-            <a:off x="3461657" y="2471057"/>
-            <a:ext cx="2057400" cy="957943"/>
+            <a:off x="3627628" y="3300984"/>
+            <a:ext cx="987552" cy="987552"/>
           </a:xfrm>
-          <a:prstGeom prst="rightArrow">
+          <a:prstGeom prst="ellipse">
             <a:avLst/>
           </a:prstGeom>
+          <a:solidFill>
+            <a:srgbClr val="00B050"/>
+          </a:solidFill>
         </p:spPr>
         <p:style>
           <a:lnRef idx="2">
             <a:schemeClr val="accent1">
-              <a:shade val="50000"/>
+              <a:shade val="15000"/>
             </a:schemeClr>
           </a:lnRef>
           <a:fillRef idx="1">
@@ -4268,7 +3926,45 @@
           <a:lstStyle/>
           <a:p>
             <a:pPr algn="ctr"/>
-            <a:endParaRPr lang="en-CA"/>
+            <a:r>
+              <a:rPr lang="en-CA" sz="1400" dirty="0"/>
+              <a:t>GREEN</a:t>
+            </a:r>
+          </a:p>
+        </p:txBody>
+      </p:sp>
+      <p:sp>
+        <p:nvSpPr>
+          <p:cNvPr id="13" name="TextBox 12">
+            <a:extLst>
+              <a:ext uri="{FF2B5EF4-FFF2-40B4-BE49-F238E27FC236}">
+                <a16:creationId xmlns:a16="http://schemas.microsoft.com/office/drawing/2014/main" id="{017F0B8E-3DF5-C940-B822-A8A5D3FD5E9A}"/>
+              </a:ext>
+            </a:extLst>
+          </p:cNvPr>
+          <p:cNvSpPr txBox="1"/>
+          <p:nvPr/>
+        </p:nvSpPr>
+        <p:spPr>
+          <a:xfrm>
+            <a:off x="393192" y="82296"/>
+            <a:ext cx="4014216" cy="1200329"/>
+          </a:xfrm>
+          <a:prstGeom prst="rect">
+            <a:avLst/>
+          </a:prstGeom>
+          <a:noFill/>
+        </p:spPr>
+        <p:txBody>
+          <a:bodyPr wrap="square" rtlCol="0">
+            <a:spAutoFit/>
+          </a:bodyPr>
+          <a:lstStyle/>
+          <a:p>
+            <a:r>
+              <a:rPr lang="en-CA" dirty="0"/>
+              <a:t>We are sampling separate colours just offset from where we are “supposed” to sample. The more “offset” we are, the greater the effect. </a:t>
+            </a:r>
           </a:p>
         </p:txBody>
       </p:sp>
@@ -4304,10 +4000,10 @@
       </p:grpSpPr>
       <p:sp>
         <p:nvSpPr>
-          <p:cNvPr id="2" name="Rectangle: Rounded Corners 1">
-            <a:extLst>
-              <a:ext uri="{FF2B5EF4-FFF2-40B4-BE49-F238E27FC236}">
-                <a16:creationId xmlns:a16="http://schemas.microsoft.com/office/drawing/2014/main" id="{F372B375-F8A7-6CC3-EB79-2633762CFC2E}"/>
+          <p:cNvPr id="9" name="Oval 8">
+            <a:extLst>
+              <a:ext uri="{FF2B5EF4-FFF2-40B4-BE49-F238E27FC236}">
+                <a16:creationId xmlns:a16="http://schemas.microsoft.com/office/drawing/2014/main" id="{9714A10C-7A90-B85C-148A-73AFC08B9514}"/>
               </a:ext>
             </a:extLst>
           </p:cNvPr>
@@ -4316,24 +4012,32 @@
         </p:nvSpPr>
         <p:spPr>
           <a:xfrm>
-            <a:off x="5279571" y="304800"/>
-            <a:ext cx="5889172" cy="5617029"/>
+            <a:off x="5486400" y="2578608"/>
+            <a:ext cx="987552" cy="987552"/>
           </a:xfrm>
-          <a:prstGeom prst="roundRect">
+          <a:prstGeom prst="ellipse">
             <a:avLst/>
           </a:prstGeom>
+          <a:solidFill>
+            <a:srgbClr val="7030A0"/>
+          </a:solidFill>
+          <a:ln>
+            <a:solidFill>
+              <a:srgbClr val="7030A0"/>
+            </a:solidFill>
+          </a:ln>
         </p:spPr>
         <p:style>
           <a:lnRef idx="2">
-            <a:schemeClr val="accent4">
-              <a:shade val="50000"/>
+            <a:schemeClr val="accent1">
+              <a:shade val="15000"/>
             </a:schemeClr>
           </a:lnRef>
           <a:fillRef idx="1">
-            <a:schemeClr val="accent4"/>
+            <a:schemeClr val="accent1"/>
           </a:fillRef>
           <a:effectRef idx="0">
-            <a:schemeClr val="accent4"/>
+            <a:schemeClr val="accent1"/>
           </a:effectRef>
           <a:fontRef idx="minor">
             <a:schemeClr val="lt1"/>
@@ -4345,319 +4049,18 @@
           <a:p>
             <a:pPr algn="ctr"/>
             <a:r>
-              <a:rPr lang="en-CA" sz="4400" b="1" dirty="0">
-                <a:ln w="22225">
-                  <a:solidFill>
-                    <a:schemeClr val="accent2"/>
-                  </a:solidFill>
-                  <a:prstDash val="solid"/>
-                </a:ln>
-                <a:solidFill>
-                  <a:schemeClr val="bg2">
-                    <a:lumMod val="10000"/>
-                  </a:schemeClr>
-                </a:solidFill>
-              </a:rPr>
-              <a:t>FBO</a:t>
-            </a:r>
-          </a:p>
-          <a:p>
-            <a:pPr algn="ctr"/>
-            <a:endParaRPr lang="en-CA" b="1" dirty="0">
-              <a:ln w="22225">
-                <a:solidFill>
-                  <a:schemeClr val="accent2"/>
-                </a:solidFill>
-                <a:prstDash val="solid"/>
-              </a:ln>
-              <a:solidFill>
-                <a:schemeClr val="accent2">
-                  <a:lumMod val="40000"/>
-                  <a:lumOff val="60000"/>
-                </a:schemeClr>
-              </a:solidFill>
-            </a:endParaRPr>
-          </a:p>
-          <a:p>
-            <a:pPr algn="ctr"/>
-            <a:endParaRPr lang="en-CA" b="1" dirty="0">
-              <a:ln w="22225">
-                <a:solidFill>
-                  <a:schemeClr val="accent2"/>
-                </a:solidFill>
-                <a:prstDash val="solid"/>
-              </a:ln>
-              <a:solidFill>
-                <a:schemeClr val="accent2">
-                  <a:lumMod val="40000"/>
-                  <a:lumOff val="60000"/>
-                </a:schemeClr>
-              </a:solidFill>
-            </a:endParaRPr>
-          </a:p>
-          <a:p>
-            <a:pPr algn="ctr"/>
-            <a:endParaRPr lang="en-CA" b="1" dirty="0">
-              <a:ln w="22225">
-                <a:solidFill>
-                  <a:schemeClr val="accent2"/>
-                </a:solidFill>
-                <a:prstDash val="solid"/>
-              </a:ln>
-              <a:solidFill>
-                <a:schemeClr val="accent2">
-                  <a:lumMod val="40000"/>
-                  <a:lumOff val="60000"/>
-                </a:schemeClr>
-              </a:solidFill>
-            </a:endParaRPr>
-          </a:p>
-          <a:p>
-            <a:pPr algn="ctr"/>
-            <a:endParaRPr lang="en-CA" b="1" dirty="0">
-              <a:ln w="22225">
-                <a:solidFill>
-                  <a:schemeClr val="accent2"/>
-                </a:solidFill>
-                <a:prstDash val="solid"/>
-              </a:ln>
-              <a:solidFill>
-                <a:schemeClr val="accent2">
-                  <a:lumMod val="40000"/>
-                  <a:lumOff val="60000"/>
-                </a:schemeClr>
-              </a:solidFill>
-            </a:endParaRPr>
-          </a:p>
-          <a:p>
-            <a:pPr algn="ctr"/>
-            <a:endParaRPr lang="en-CA" b="1" dirty="0">
-              <a:ln w="22225">
-                <a:solidFill>
-                  <a:schemeClr val="accent2"/>
-                </a:solidFill>
-                <a:prstDash val="solid"/>
-              </a:ln>
-              <a:solidFill>
-                <a:schemeClr val="accent2">
-                  <a:lumMod val="40000"/>
-                  <a:lumOff val="60000"/>
-                </a:schemeClr>
-              </a:solidFill>
-            </a:endParaRPr>
-          </a:p>
-          <a:p>
-            <a:pPr algn="ctr"/>
-            <a:endParaRPr lang="en-CA" b="1" dirty="0">
-              <a:ln w="22225">
-                <a:solidFill>
-                  <a:schemeClr val="accent2"/>
-                </a:solidFill>
-                <a:prstDash val="solid"/>
-              </a:ln>
-              <a:solidFill>
-                <a:schemeClr val="accent2">
-                  <a:lumMod val="40000"/>
-                  <a:lumOff val="60000"/>
-                </a:schemeClr>
-              </a:solidFill>
-            </a:endParaRPr>
-          </a:p>
-          <a:p>
-            <a:pPr algn="ctr"/>
-            <a:endParaRPr lang="en-CA" b="1" dirty="0">
-              <a:ln w="22225">
-                <a:solidFill>
-                  <a:schemeClr val="accent2"/>
-                </a:solidFill>
-                <a:prstDash val="solid"/>
-              </a:ln>
-              <a:solidFill>
-                <a:schemeClr val="accent2">
-                  <a:lumMod val="40000"/>
-                  <a:lumOff val="60000"/>
-                </a:schemeClr>
-              </a:solidFill>
-            </a:endParaRPr>
-          </a:p>
-          <a:p>
-            <a:pPr algn="ctr"/>
-            <a:endParaRPr lang="en-CA" b="1" dirty="0">
-              <a:ln w="22225">
-                <a:solidFill>
-                  <a:schemeClr val="accent2"/>
-                </a:solidFill>
-                <a:prstDash val="solid"/>
-              </a:ln>
-              <a:solidFill>
-                <a:schemeClr val="accent2">
-                  <a:lumMod val="40000"/>
-                  <a:lumOff val="60000"/>
-                </a:schemeClr>
-              </a:solidFill>
-            </a:endParaRPr>
-          </a:p>
-          <a:p>
-            <a:pPr algn="ctr"/>
-            <a:endParaRPr lang="en-CA" b="1" dirty="0">
-              <a:ln w="22225">
-                <a:solidFill>
-                  <a:schemeClr val="accent2"/>
-                </a:solidFill>
-                <a:prstDash val="solid"/>
-              </a:ln>
-              <a:solidFill>
-                <a:schemeClr val="accent2">
-                  <a:lumMod val="40000"/>
-                  <a:lumOff val="60000"/>
-                </a:schemeClr>
-              </a:solidFill>
-            </a:endParaRPr>
-          </a:p>
-          <a:p>
-            <a:pPr algn="ctr"/>
-            <a:endParaRPr lang="en-CA" b="1" dirty="0">
-              <a:ln w="22225">
-                <a:solidFill>
-                  <a:schemeClr val="accent2"/>
-                </a:solidFill>
-                <a:prstDash val="solid"/>
-              </a:ln>
-              <a:solidFill>
-                <a:schemeClr val="accent2">
-                  <a:lumMod val="40000"/>
-                  <a:lumOff val="60000"/>
-                </a:schemeClr>
-              </a:solidFill>
-            </a:endParaRPr>
-          </a:p>
-          <a:p>
-            <a:pPr algn="ctr"/>
-            <a:endParaRPr lang="en-CA" b="1" dirty="0">
-              <a:ln w="22225">
-                <a:solidFill>
-                  <a:schemeClr val="accent2"/>
-                </a:solidFill>
-                <a:prstDash val="solid"/>
-              </a:ln>
-              <a:solidFill>
-                <a:schemeClr val="accent2">
-                  <a:lumMod val="40000"/>
-                  <a:lumOff val="60000"/>
-                </a:schemeClr>
-              </a:solidFill>
-            </a:endParaRPr>
-          </a:p>
-          <a:p>
-            <a:pPr algn="ctr"/>
-            <a:endParaRPr lang="en-CA" b="1" dirty="0">
-              <a:ln w="22225">
-                <a:solidFill>
-                  <a:schemeClr val="accent2"/>
-                </a:solidFill>
-                <a:prstDash val="solid"/>
-              </a:ln>
-              <a:solidFill>
-                <a:schemeClr val="accent2">
-                  <a:lumMod val="40000"/>
-                  <a:lumOff val="60000"/>
-                </a:schemeClr>
-              </a:solidFill>
-            </a:endParaRPr>
-          </a:p>
-          <a:p>
-            <a:pPr algn="ctr"/>
-            <a:endParaRPr lang="en-CA" b="1" dirty="0">
-              <a:ln w="22225">
-                <a:solidFill>
-                  <a:schemeClr val="accent2"/>
-                </a:solidFill>
-                <a:prstDash val="solid"/>
-              </a:ln>
-              <a:solidFill>
-                <a:schemeClr val="accent2">
-                  <a:lumMod val="40000"/>
-                  <a:lumOff val="60000"/>
-                </a:schemeClr>
-              </a:solidFill>
-            </a:endParaRPr>
-          </a:p>
-          <a:p>
-            <a:pPr algn="ctr"/>
-            <a:endParaRPr lang="en-CA" b="1" dirty="0">
-              <a:ln w="22225">
-                <a:solidFill>
-                  <a:schemeClr val="accent2"/>
-                </a:solidFill>
-                <a:prstDash val="solid"/>
-              </a:ln>
-              <a:solidFill>
-                <a:schemeClr val="accent2">
-                  <a:lumMod val="40000"/>
-                  <a:lumOff val="60000"/>
-                </a:schemeClr>
-              </a:solidFill>
-            </a:endParaRPr>
-          </a:p>
-          <a:p>
-            <a:pPr algn="ctr"/>
-            <a:endParaRPr lang="en-CA" b="1" dirty="0">
-              <a:ln w="22225">
-                <a:solidFill>
-                  <a:schemeClr val="accent2"/>
-                </a:solidFill>
-                <a:prstDash val="solid"/>
-              </a:ln>
-              <a:solidFill>
-                <a:schemeClr val="accent2">
-                  <a:lumMod val="40000"/>
-                  <a:lumOff val="60000"/>
-                </a:schemeClr>
-              </a:solidFill>
-            </a:endParaRPr>
-          </a:p>
-          <a:p>
-            <a:pPr algn="ctr"/>
-            <a:endParaRPr lang="en-CA" b="1" dirty="0">
-              <a:ln w="22225">
-                <a:solidFill>
-                  <a:schemeClr val="accent2"/>
-                </a:solidFill>
-                <a:prstDash val="solid"/>
-              </a:ln>
-              <a:solidFill>
-                <a:schemeClr val="accent2">
-                  <a:lumMod val="40000"/>
-                  <a:lumOff val="60000"/>
-                </a:schemeClr>
-              </a:solidFill>
-            </a:endParaRPr>
-          </a:p>
-          <a:p>
-            <a:pPr algn="ctr"/>
-            <a:endParaRPr lang="en-CA" b="1" dirty="0">
-              <a:ln w="22225">
-                <a:solidFill>
-                  <a:schemeClr val="accent2"/>
-                </a:solidFill>
-                <a:prstDash val="solid"/>
-              </a:ln>
-              <a:solidFill>
-                <a:schemeClr val="accent2">
-                  <a:lumMod val="40000"/>
-                  <a:lumOff val="60000"/>
-                </a:schemeClr>
-              </a:solidFill>
-            </a:endParaRPr>
-          </a:p>
-        </p:txBody>
-      </p:sp>
-      <p:sp>
-        <p:nvSpPr>
-          <p:cNvPr id="4" name="Rectangle: Rounded Corners 3">
-            <a:extLst>
-              <a:ext uri="{FF2B5EF4-FFF2-40B4-BE49-F238E27FC236}">
-                <a16:creationId xmlns:a16="http://schemas.microsoft.com/office/drawing/2014/main" id="{9979CD26-5D33-1713-6AE3-E266F8DE4EF0}"/>
+              <a:rPr lang="en-CA" dirty="0"/>
+              <a:t>UV</a:t>
+            </a:r>
+          </a:p>
+        </p:txBody>
+      </p:sp>
+      <p:sp>
+        <p:nvSpPr>
+          <p:cNvPr id="13" name="Oval 12">
+            <a:extLst>
+              <a:ext uri="{FF2B5EF4-FFF2-40B4-BE49-F238E27FC236}">
+                <a16:creationId xmlns:a16="http://schemas.microsoft.com/office/drawing/2014/main" id="{E6FC46DF-65FA-6DE0-BF56-687160B1D85B}"/>
               </a:ext>
             </a:extLst>
           </p:cNvPr>
@@ -4666,7 +4069,418 @@
         </p:nvSpPr>
         <p:spPr>
           <a:xfrm>
-            <a:off x="576943" y="1926771"/>
+            <a:off x="4407408" y="2578608"/>
+            <a:ext cx="987552" cy="987552"/>
+          </a:xfrm>
+          <a:prstGeom prst="ellipse">
+            <a:avLst/>
+          </a:prstGeom>
+          <a:solidFill>
+            <a:schemeClr val="tx1"/>
+          </a:solidFill>
+          <a:ln>
+            <a:solidFill>
+              <a:srgbClr val="7030A0"/>
+            </a:solidFill>
+          </a:ln>
+        </p:spPr>
+        <p:style>
+          <a:lnRef idx="2">
+            <a:schemeClr val="accent1">
+              <a:shade val="15000"/>
+            </a:schemeClr>
+          </a:lnRef>
+          <a:fillRef idx="1">
+            <a:schemeClr val="accent1"/>
+          </a:fillRef>
+          <a:effectRef idx="0">
+            <a:schemeClr val="accent1"/>
+          </a:effectRef>
+          <a:fontRef idx="minor">
+            <a:schemeClr val="lt1"/>
+          </a:fontRef>
+        </p:style>
+        <p:txBody>
+          <a:bodyPr rtlCol="0" anchor="ctr"/>
+          <a:lstStyle/>
+          <a:p>
+            <a:pPr algn="ctr"/>
+            <a:r>
+              <a:rPr lang="en-CA" dirty="0"/>
+              <a:t>UV</a:t>
+            </a:r>
+          </a:p>
+        </p:txBody>
+      </p:sp>
+      <p:sp>
+        <p:nvSpPr>
+          <p:cNvPr id="14" name="Oval 13">
+            <a:extLst>
+              <a:ext uri="{FF2B5EF4-FFF2-40B4-BE49-F238E27FC236}">
+                <a16:creationId xmlns:a16="http://schemas.microsoft.com/office/drawing/2014/main" id="{3727D0EB-E832-F9CB-3F95-8A6784308D9E}"/>
+              </a:ext>
+            </a:extLst>
+          </p:cNvPr>
+          <p:cNvSpPr/>
+          <p:nvPr/>
+        </p:nvSpPr>
+        <p:spPr>
+          <a:xfrm>
+            <a:off x="5486400" y="1517904"/>
+            <a:ext cx="987552" cy="987552"/>
+          </a:xfrm>
+          <a:prstGeom prst="ellipse">
+            <a:avLst/>
+          </a:prstGeom>
+          <a:solidFill>
+            <a:schemeClr val="tx1"/>
+          </a:solidFill>
+          <a:ln>
+            <a:solidFill>
+              <a:srgbClr val="7030A0"/>
+            </a:solidFill>
+          </a:ln>
+        </p:spPr>
+        <p:style>
+          <a:lnRef idx="2">
+            <a:schemeClr val="accent1">
+              <a:shade val="15000"/>
+            </a:schemeClr>
+          </a:lnRef>
+          <a:fillRef idx="1">
+            <a:schemeClr val="accent1"/>
+          </a:fillRef>
+          <a:effectRef idx="0">
+            <a:schemeClr val="accent1"/>
+          </a:effectRef>
+          <a:fontRef idx="minor">
+            <a:schemeClr val="lt1"/>
+          </a:fontRef>
+        </p:style>
+        <p:txBody>
+          <a:bodyPr rtlCol="0" anchor="ctr"/>
+          <a:lstStyle/>
+          <a:p>
+            <a:pPr algn="ctr"/>
+            <a:r>
+              <a:rPr lang="en-CA" dirty="0"/>
+              <a:t>UV</a:t>
+            </a:r>
+          </a:p>
+        </p:txBody>
+      </p:sp>
+      <p:sp>
+        <p:nvSpPr>
+          <p:cNvPr id="15" name="Oval 14">
+            <a:extLst>
+              <a:ext uri="{FF2B5EF4-FFF2-40B4-BE49-F238E27FC236}">
+                <a16:creationId xmlns:a16="http://schemas.microsoft.com/office/drawing/2014/main" id="{2AD99F83-2209-4F86-603A-FDCC1D6CF811}"/>
+              </a:ext>
+            </a:extLst>
+          </p:cNvPr>
+          <p:cNvSpPr/>
+          <p:nvPr/>
+        </p:nvSpPr>
+        <p:spPr>
+          <a:xfrm>
+            <a:off x="6565392" y="2633472"/>
+            <a:ext cx="987552" cy="987552"/>
+          </a:xfrm>
+          <a:prstGeom prst="ellipse">
+            <a:avLst/>
+          </a:prstGeom>
+          <a:solidFill>
+            <a:schemeClr val="tx1"/>
+          </a:solidFill>
+          <a:ln>
+            <a:solidFill>
+              <a:srgbClr val="7030A0"/>
+            </a:solidFill>
+          </a:ln>
+        </p:spPr>
+        <p:style>
+          <a:lnRef idx="2">
+            <a:schemeClr val="accent1">
+              <a:shade val="15000"/>
+            </a:schemeClr>
+          </a:lnRef>
+          <a:fillRef idx="1">
+            <a:schemeClr val="accent1"/>
+          </a:fillRef>
+          <a:effectRef idx="0">
+            <a:schemeClr val="accent1"/>
+          </a:effectRef>
+          <a:fontRef idx="minor">
+            <a:schemeClr val="lt1"/>
+          </a:fontRef>
+        </p:style>
+        <p:txBody>
+          <a:bodyPr rtlCol="0" anchor="ctr"/>
+          <a:lstStyle/>
+          <a:p>
+            <a:pPr algn="ctr"/>
+            <a:r>
+              <a:rPr lang="en-CA" dirty="0"/>
+              <a:t>UV</a:t>
+            </a:r>
+          </a:p>
+        </p:txBody>
+      </p:sp>
+      <p:sp>
+        <p:nvSpPr>
+          <p:cNvPr id="16" name="Oval 15">
+            <a:extLst>
+              <a:ext uri="{FF2B5EF4-FFF2-40B4-BE49-F238E27FC236}">
+                <a16:creationId xmlns:a16="http://schemas.microsoft.com/office/drawing/2014/main" id="{1820EAC0-70D6-E695-FA59-21239F7C10CF}"/>
+              </a:ext>
+            </a:extLst>
+          </p:cNvPr>
+          <p:cNvSpPr/>
+          <p:nvPr/>
+        </p:nvSpPr>
+        <p:spPr>
+          <a:xfrm>
+            <a:off x="5486400" y="3639312"/>
+            <a:ext cx="987552" cy="987552"/>
+          </a:xfrm>
+          <a:prstGeom prst="ellipse">
+            <a:avLst/>
+          </a:prstGeom>
+          <a:solidFill>
+            <a:schemeClr val="tx1"/>
+          </a:solidFill>
+          <a:ln>
+            <a:solidFill>
+              <a:srgbClr val="7030A0"/>
+            </a:solidFill>
+          </a:ln>
+        </p:spPr>
+        <p:style>
+          <a:lnRef idx="2">
+            <a:schemeClr val="accent1">
+              <a:shade val="15000"/>
+            </a:schemeClr>
+          </a:lnRef>
+          <a:fillRef idx="1">
+            <a:schemeClr val="accent1"/>
+          </a:fillRef>
+          <a:effectRef idx="0">
+            <a:schemeClr val="accent1"/>
+          </a:effectRef>
+          <a:fontRef idx="minor">
+            <a:schemeClr val="lt1"/>
+          </a:fontRef>
+        </p:style>
+        <p:txBody>
+          <a:bodyPr rtlCol="0" anchor="ctr"/>
+          <a:lstStyle/>
+          <a:p>
+            <a:pPr algn="ctr"/>
+            <a:r>
+              <a:rPr lang="en-CA" dirty="0"/>
+              <a:t>UV</a:t>
+            </a:r>
+          </a:p>
+        </p:txBody>
+      </p:sp>
+      <p:sp>
+        <p:nvSpPr>
+          <p:cNvPr id="17" name="TextBox 16">
+            <a:extLst>
+              <a:ext uri="{FF2B5EF4-FFF2-40B4-BE49-F238E27FC236}">
+                <a16:creationId xmlns:a16="http://schemas.microsoft.com/office/drawing/2014/main" id="{52880240-D796-D197-9305-1488D6BFEFA5}"/>
+              </a:ext>
+            </a:extLst>
+          </p:cNvPr>
+          <p:cNvSpPr txBox="1"/>
+          <p:nvPr/>
+        </p:nvSpPr>
+        <p:spPr>
+          <a:xfrm>
+            <a:off x="393192" y="82296"/>
+            <a:ext cx="4014216" cy="646331"/>
+          </a:xfrm>
+          <a:prstGeom prst="rect">
+            <a:avLst/>
+          </a:prstGeom>
+          <a:noFill/>
+        </p:spPr>
+        <p:txBody>
+          <a:bodyPr wrap="square" rtlCol="0">
+            <a:spAutoFit/>
+          </a:bodyPr>
+          <a:lstStyle/>
+          <a:p>
+            <a:r>
+              <a:rPr lang="en-CA" dirty="0"/>
+              <a:t>Basic “blur” is taking samples from adjacent pixels and averaging them…</a:t>
+            </a:r>
+          </a:p>
+        </p:txBody>
+      </p:sp>
+    </p:spTree>
+    <p:extLst>
+      <p:ext uri="{BB962C8B-B14F-4D97-AF65-F5344CB8AC3E}">
+        <p14:creationId xmlns:p14="http://schemas.microsoft.com/office/powerpoint/2010/main" val="1892303148"/>
+      </p:ext>
+    </p:extLst>
+  </p:cSld>
+  <p:clrMapOvr>
+    <a:masterClrMapping/>
+  </p:clrMapOvr>
+</p:sld>
+</file>
+
+<file path=ppt/slides/slide4.xml><?xml version="1.0" encoding="utf-8"?>
+<p:sld xmlns:a="http://schemas.openxmlformats.org/drawingml/2006/main" xmlns:r="http://schemas.openxmlformats.org/officeDocument/2006/relationships" xmlns:p="http://schemas.openxmlformats.org/presentationml/2006/main">
+  <p:cSld>
+    <p:spTree>
+      <p:nvGrpSpPr>
+        <p:cNvPr id="1" name="">
+          <a:extLst>
+            <a:ext uri="{FF2B5EF4-FFF2-40B4-BE49-F238E27FC236}">
+              <a16:creationId xmlns:a16="http://schemas.microsoft.com/office/drawing/2014/main" id="{26074147-33BD-12D1-5D01-036656DED394}"/>
+            </a:ext>
+          </a:extLst>
+        </p:cNvPr>
+        <p:cNvGrpSpPr/>
+        <p:nvPr/>
+      </p:nvGrpSpPr>
+      <p:grpSpPr>
+        <a:xfrm>
+          <a:off x="0" y="0"/>
+          <a:ext cx="0" cy="0"/>
+          <a:chOff x="0" y="0"/>
+          <a:chExt cx="0" cy="0"/>
+        </a:xfrm>
+      </p:grpSpPr>
+      <p:pic>
+        <p:nvPicPr>
+          <p:cNvPr id="1026" name="Picture 2">
+            <a:extLst>
+              <a:ext uri="{FF2B5EF4-FFF2-40B4-BE49-F238E27FC236}">
+                <a16:creationId xmlns:a16="http://schemas.microsoft.com/office/drawing/2014/main" id="{F35F4744-F107-F422-B463-ED80FE73510A}"/>
+              </a:ext>
+            </a:extLst>
+          </p:cNvPr>
+          <p:cNvPicPr>
+            <a:picLocks noChangeAspect="1" noChangeArrowheads="1"/>
+          </p:cNvPicPr>
+          <p:nvPr/>
+        </p:nvPicPr>
+        <p:blipFill>
+          <a:blip r:embed="rId2">
+            <a:extLst>
+              <a:ext uri="{28A0092B-C50C-407E-A947-70E740481C1C}">
+                <a14:useLocalDpi xmlns:a14="http://schemas.microsoft.com/office/drawing/2010/main" val="0"/>
+              </a:ext>
+            </a:extLst>
+          </a:blip>
+          <a:srcRect/>
+          <a:stretch>
+            <a:fillRect/>
+          </a:stretch>
+        </p:blipFill>
+        <p:spPr bwMode="auto">
+          <a:xfrm>
+            <a:off x="381000" y="819150"/>
+            <a:ext cx="11430000" cy="5219700"/>
+          </a:xfrm>
+          <a:prstGeom prst="rect">
+            <a:avLst/>
+          </a:prstGeom>
+          <a:noFill/>
+          <a:extLst>
+            <a:ext uri="{909E8E84-426E-40DD-AFC4-6F175D3DCCD1}">
+              <a14:hiddenFill xmlns:a14="http://schemas.microsoft.com/office/drawing/2010/main">
+                <a:solidFill>
+                  <a:srgbClr val="FFFFFF"/>
+                </a:solidFill>
+              </a14:hiddenFill>
+            </a:ext>
+          </a:extLst>
+        </p:spPr>
+      </p:pic>
+      <p:sp>
+        <p:nvSpPr>
+          <p:cNvPr id="2" name="TextBox 1">
+            <a:extLst>
+              <a:ext uri="{FF2B5EF4-FFF2-40B4-BE49-F238E27FC236}">
+                <a16:creationId xmlns:a16="http://schemas.microsoft.com/office/drawing/2014/main" id="{51629917-06EA-885D-1065-76A5E123FDB9}"/>
+              </a:ext>
+            </a:extLst>
+          </p:cNvPr>
+          <p:cNvSpPr txBox="1"/>
+          <p:nvPr/>
+        </p:nvSpPr>
+        <p:spPr>
+          <a:xfrm>
+            <a:off x="1170432" y="274320"/>
+            <a:ext cx="7616952" cy="369332"/>
+          </a:xfrm>
+          <a:prstGeom prst="rect">
+            <a:avLst/>
+          </a:prstGeom>
+          <a:noFill/>
+        </p:spPr>
+        <p:txBody>
+          <a:bodyPr wrap="square" rtlCol="0">
+            <a:spAutoFit/>
+          </a:bodyPr>
+          <a:lstStyle/>
+          <a:p>
+            <a:r>
+              <a:rPr lang="en-CA" dirty="0"/>
+              <a:t>https://dehancer.files.wordpress.com/2020/05/bloom2-1.jpg?w=1200</a:t>
+            </a:r>
+          </a:p>
+        </p:txBody>
+      </p:sp>
+    </p:spTree>
+    <p:extLst>
+      <p:ext uri="{BB962C8B-B14F-4D97-AF65-F5344CB8AC3E}">
+        <p14:creationId xmlns:p14="http://schemas.microsoft.com/office/powerpoint/2010/main" val="1796232470"/>
+      </p:ext>
+    </p:extLst>
+  </p:cSld>
+  <p:clrMapOvr>
+    <a:masterClrMapping/>
+  </p:clrMapOvr>
+</p:sld>
+</file>
+
+<file path=ppt/slides/slide5.xml><?xml version="1.0" encoding="utf-8"?>
+<p:sld xmlns:a="http://schemas.openxmlformats.org/drawingml/2006/main" xmlns:r="http://schemas.openxmlformats.org/officeDocument/2006/relationships" xmlns:p="http://schemas.openxmlformats.org/presentationml/2006/main">
+  <p:cSld>
+    <p:spTree>
+      <p:nvGrpSpPr>
+        <p:cNvPr id="1" name=""/>
+        <p:cNvGrpSpPr/>
+        <p:nvPr/>
+      </p:nvGrpSpPr>
+      <p:grpSpPr>
+        <a:xfrm>
+          <a:off x="0" y="0"/>
+          <a:ext cx="0" cy="0"/>
+          <a:chOff x="0" y="0"/>
+          <a:chExt cx="0" cy="0"/>
+        </a:xfrm>
+      </p:grpSpPr>
+      <p:sp>
+        <p:nvSpPr>
+          <p:cNvPr id="4" name="Rectangle: Rounded Corners 3">
+            <a:extLst>
+              <a:ext uri="{FF2B5EF4-FFF2-40B4-BE49-F238E27FC236}">
+                <a16:creationId xmlns:a16="http://schemas.microsoft.com/office/drawing/2014/main" id="{9979CD26-5D33-1713-6AE3-E266F8DE4EF0}"/>
+              </a:ext>
+            </a:extLst>
+          </p:cNvPr>
+          <p:cNvSpPr/>
+          <p:nvPr/>
+        </p:nvSpPr>
+        <p:spPr>
+          <a:xfrm>
+            <a:off x="505097" y="620485"/>
             <a:ext cx="2819400" cy="1719943"/>
           </a:xfrm>
           <a:prstGeom prst="roundRect">
@@ -4696,7 +4510,7 @@
             <a:pPr algn="ctr"/>
             <a:r>
               <a:rPr lang="en-CA" dirty="0"/>
-              <a:t>OpenGL</a:t>
+              <a:t>Scene</a:t>
             </a:r>
           </a:p>
         </p:txBody>
@@ -4715,8 +4529,8 @@
         </p:nvSpPr>
         <p:spPr>
           <a:xfrm>
-            <a:off x="5900057" y="1186541"/>
-            <a:ext cx="4887686" cy="838202"/>
+            <a:off x="5637929" y="489855"/>
+            <a:ext cx="4887686" cy="1981200"/>
           </a:xfrm>
           <a:prstGeom prst="rect">
             <a:avLst/>
@@ -4745,7 +4559,7 @@
             <a:pPr algn="ctr"/>
             <a:r>
               <a:rPr lang="en-CA" dirty="0"/>
-              <a:t>Color buffer (2D Array</a:t>
+              <a:t>FBO (regular scene)</a:t>
             </a:r>
           </a:p>
         </p:txBody>
@@ -4764,8 +4578,8 @@
         </p:nvSpPr>
         <p:spPr>
           <a:xfrm>
-            <a:off x="5780315" y="4299857"/>
-            <a:ext cx="4887686" cy="1208314"/>
+            <a:off x="5637929" y="2640003"/>
+            <a:ext cx="4887686" cy="1981200"/>
           </a:xfrm>
           <a:prstGeom prst="rect">
             <a:avLst/>
@@ -4794,26 +4608,9 @@
             <a:pPr algn="ctr"/>
             <a:r>
               <a:rPr lang="en-CA" b="1" dirty="0"/>
-              <a:t>Depth buffer </a:t>
-            </a:r>
-            <a:r>
-              <a:rPr lang="en-CA" dirty="0"/>
-              <a:t>(2D Array)</a:t>
-            </a:r>
-          </a:p>
-          <a:p>
-            <a:pPr algn="ctr"/>
-            <a:r>
-              <a:rPr lang="en-CA" dirty="0"/>
-              <a:t>(common depth = 24 bits)</a:t>
-            </a:r>
-          </a:p>
-          <a:p>
-            <a:pPr algn="ctr"/>
-            <a:r>
-              <a:rPr lang="en-CA" dirty="0"/>
-              <a:t>(stencil = 8 bit)</a:t>
-            </a:r>
+              <a:t>FBO #2 : only write a grey-scale black to white brightness of the “lights” – NOT the actual light pass, but drawing the objects that you are using as “lights”</a:t>
+            </a:r>
+            <a:endParaRPr lang="en-CA" dirty="0"/>
           </a:p>
         </p:txBody>
       </p:sp>
@@ -4831,7 +4628,7 @@
         </p:nvSpPr>
         <p:spPr>
           <a:xfrm>
-            <a:off x="3461657" y="2471057"/>
+            <a:off x="3452513" y="1001484"/>
             <a:ext cx="2057400" cy="957943"/>
           </a:xfrm>
           <a:prstGeom prst="rightArrow">
@@ -4865,10 +4662,10 @@
       </p:sp>
       <p:sp>
         <p:nvSpPr>
-          <p:cNvPr id="3" name="Rectangle 2">
-            <a:extLst>
-              <a:ext uri="{FF2B5EF4-FFF2-40B4-BE49-F238E27FC236}">
-                <a16:creationId xmlns:a16="http://schemas.microsoft.com/office/drawing/2014/main" id="{EE2BAA29-32C2-DF4D-3A94-FF5C117E55CF}"/>
+          <p:cNvPr id="3" name="Arrow: Right 2">
+            <a:extLst>
+              <a:ext uri="{FF2B5EF4-FFF2-40B4-BE49-F238E27FC236}">
+                <a16:creationId xmlns:a16="http://schemas.microsoft.com/office/drawing/2014/main" id="{ECA082A6-3994-16C4-B51D-92026C9488CB}"/>
               </a:ext>
             </a:extLst>
           </p:cNvPr>
@@ -4876,9 +4673,91 @@
           <p:nvPr/>
         </p:nvSpPr>
         <p:spPr>
+          <a:xfrm rot="2195090">
+            <a:off x="3535308" y="2647123"/>
+            <a:ext cx="2057400" cy="957943"/>
+          </a:xfrm>
+          <a:prstGeom prst="rightArrow">
+            <a:avLst/>
+          </a:prstGeom>
+        </p:spPr>
+        <p:style>
+          <a:lnRef idx="2">
+            <a:schemeClr val="accent1">
+              <a:shade val="50000"/>
+            </a:schemeClr>
+          </a:lnRef>
+          <a:fillRef idx="1">
+            <a:schemeClr val="accent1"/>
+          </a:fillRef>
+          <a:effectRef idx="0">
+            <a:schemeClr val="accent1"/>
+          </a:effectRef>
+          <a:fontRef idx="minor">
+            <a:schemeClr val="lt1"/>
+          </a:fontRef>
+        </p:style>
+        <p:txBody>
+          <a:bodyPr rtlCol="0" anchor="ctr"/>
+          <a:lstStyle/>
+          <a:p>
+            <a:pPr algn="ctr"/>
+            <a:endParaRPr lang="en-CA"/>
+          </a:p>
+        </p:txBody>
+      </p:sp>
+    </p:spTree>
+    <p:extLst>
+      <p:ext uri="{BB962C8B-B14F-4D97-AF65-F5344CB8AC3E}">
+        <p14:creationId xmlns:p14="http://schemas.microsoft.com/office/powerpoint/2010/main" val="778391819"/>
+      </p:ext>
+    </p:extLst>
+  </p:cSld>
+  <p:clrMapOvr>
+    <a:masterClrMapping/>
+  </p:clrMapOvr>
+</p:sld>
+</file>
+
+<file path=ppt/slides/slide6.xml><?xml version="1.0" encoding="utf-8"?>
+<p:sld xmlns:a="http://schemas.openxmlformats.org/drawingml/2006/main" xmlns:r="http://schemas.openxmlformats.org/officeDocument/2006/relationships" xmlns:p="http://schemas.openxmlformats.org/presentationml/2006/main">
+  <p:cSld>
+    <p:spTree>
+      <p:nvGrpSpPr>
+        <p:cNvPr id="1" name="">
+          <a:extLst>
+            <a:ext uri="{FF2B5EF4-FFF2-40B4-BE49-F238E27FC236}">
+              <a16:creationId xmlns:a16="http://schemas.microsoft.com/office/drawing/2014/main" id="{7B461740-CFEE-721E-BD7F-EA37AC888845}"/>
+            </a:ext>
+          </a:extLst>
+        </p:cNvPr>
+        <p:cNvGrpSpPr/>
+        <p:nvPr/>
+      </p:nvGrpSpPr>
+      <p:grpSpPr>
+        <a:xfrm>
+          <a:off x="0" y="0"/>
+          <a:ext cx="0" cy="0"/>
+          <a:chOff x="0" y="0"/>
+          <a:chExt cx="0" cy="0"/>
+        </a:xfrm>
+      </p:grpSpPr>
+      <p:sp>
+        <p:nvSpPr>
+          <p:cNvPr id="5" name="Rectangle 4">
+            <a:extLst>
+              <a:ext uri="{FF2B5EF4-FFF2-40B4-BE49-F238E27FC236}">
+                <a16:creationId xmlns:a16="http://schemas.microsoft.com/office/drawing/2014/main" id="{51DE3449-5867-9934-7048-CF296702F131}"/>
+              </a:ext>
+            </a:extLst>
+          </p:cNvPr>
+          <p:cNvSpPr/>
+          <p:nvPr/>
+        </p:nvSpPr>
+        <p:spPr>
           <a:xfrm>
-            <a:off x="5900057" y="2111826"/>
-            <a:ext cx="4887686" cy="838202"/>
+            <a:off x="297833" y="334407"/>
+            <a:ext cx="3780391" cy="1981200"/>
           </a:xfrm>
           <a:prstGeom prst="rect">
             <a:avLst/>
@@ -4907,17 +4786,17 @@
             <a:pPr algn="ctr"/>
             <a:r>
               <a:rPr lang="en-CA" dirty="0"/>
-              <a:t>Color buffer (2D Array</a:t>
-            </a:r>
-          </a:p>
-        </p:txBody>
-      </p:sp>
-      <p:sp>
-        <p:nvSpPr>
-          <p:cNvPr id="8" name="Rectangle 7">
-            <a:extLst>
-              <a:ext uri="{FF2B5EF4-FFF2-40B4-BE49-F238E27FC236}">
-                <a16:creationId xmlns:a16="http://schemas.microsoft.com/office/drawing/2014/main" id="{8A161835-A8F5-E5C9-AC54-3D2455A5947B}"/>
+              <a:t>FBO (regular scene)</a:t>
+            </a:r>
+          </a:p>
+        </p:txBody>
+      </p:sp>
+      <p:sp>
+        <p:nvSpPr>
+          <p:cNvPr id="6" name="Rectangle 5">
+            <a:extLst>
+              <a:ext uri="{FF2B5EF4-FFF2-40B4-BE49-F238E27FC236}">
+                <a16:creationId xmlns:a16="http://schemas.microsoft.com/office/drawing/2014/main" id="{ABA26107-FA80-FD9D-E8AD-2FD3E6C673EA}"/>
               </a:ext>
             </a:extLst>
           </p:cNvPr>
@@ -4926,8 +4805,8 @@
         </p:nvSpPr>
         <p:spPr>
           <a:xfrm>
-            <a:off x="5900057" y="3020781"/>
-            <a:ext cx="4887686" cy="838202"/>
+            <a:off x="297833" y="2649147"/>
+            <a:ext cx="3780391" cy="1981200"/>
           </a:xfrm>
           <a:prstGeom prst="rect">
             <a:avLst/>
@@ -4955,48 +4834,19 @@
           <a:p>
             <a:pPr algn="ctr"/>
             <a:r>
-              <a:rPr lang="en-CA" dirty="0"/>
-              <a:t>Color buffer (2D Array</a:t>
-            </a:r>
-          </a:p>
-        </p:txBody>
-      </p:sp>
-    </p:spTree>
-    <p:extLst>
-      <p:ext uri="{BB962C8B-B14F-4D97-AF65-F5344CB8AC3E}">
-        <p14:creationId xmlns:p14="http://schemas.microsoft.com/office/powerpoint/2010/main" val="1892303148"/>
-      </p:ext>
-    </p:extLst>
-  </p:cSld>
-  <p:clrMapOvr>
-    <a:masterClrMapping/>
-  </p:clrMapOvr>
-</p:sld>
-</file>
-
-<file path=ppt/slides/slide4.xml><?xml version="1.0" encoding="utf-8"?>
-<p:sld xmlns:a="http://schemas.openxmlformats.org/drawingml/2006/main" xmlns:r="http://schemas.openxmlformats.org/officeDocument/2006/relationships" xmlns:p="http://schemas.openxmlformats.org/presentationml/2006/main">
-  <p:cSld>
-    <p:spTree>
-      <p:nvGrpSpPr>
-        <p:cNvPr id="1" name=""/>
-        <p:cNvGrpSpPr/>
-        <p:nvPr/>
-      </p:nvGrpSpPr>
-      <p:grpSpPr>
-        <a:xfrm>
-          <a:off x="0" y="0"/>
-          <a:ext cx="0" cy="0"/>
-          <a:chOff x="0" y="0"/>
-          <a:chExt cx="0" cy="0"/>
-        </a:xfrm>
-      </p:grpSpPr>
-      <p:sp>
-        <p:nvSpPr>
-          <p:cNvPr id="2" name="Rectangle: Rounded Corners 1">
-            <a:extLst>
-              <a:ext uri="{FF2B5EF4-FFF2-40B4-BE49-F238E27FC236}">
-                <a16:creationId xmlns:a16="http://schemas.microsoft.com/office/drawing/2014/main" id="{F372B375-F8A7-6CC3-EB79-2633762CFC2E}"/>
+              <a:rPr lang="en-CA" b="1" dirty="0"/>
+              <a:t>FBO #2 : only write a grey-scale black to white brightness of the “lights” – NOT the actual light pass, but drawing the objects that you are using as “lights”</a:t>
+            </a:r>
+            <a:endParaRPr lang="en-CA" dirty="0"/>
+          </a:p>
+        </p:txBody>
+      </p:sp>
+      <p:sp>
+        <p:nvSpPr>
+          <p:cNvPr id="7" name="Arrow: Right 6">
+            <a:extLst>
+              <a:ext uri="{FF2B5EF4-FFF2-40B4-BE49-F238E27FC236}">
+                <a16:creationId xmlns:a16="http://schemas.microsoft.com/office/drawing/2014/main" id="{3289D263-DB66-1A0B-279C-20E983D97C83}"/>
               </a:ext>
             </a:extLst>
           </p:cNvPr>
@@ -5004,25 +4854,25 @@
           <p:nvPr/>
         </p:nvSpPr>
         <p:spPr>
-          <a:xfrm>
-            <a:off x="5279572" y="250371"/>
-            <a:ext cx="5889172" cy="5617029"/>
+          <a:xfrm rot="19035010">
+            <a:off x="3692482" y="3064725"/>
+            <a:ext cx="1886546" cy="957943"/>
           </a:xfrm>
-          <a:prstGeom prst="roundRect">
+          <a:prstGeom prst="rightArrow">
             <a:avLst/>
           </a:prstGeom>
         </p:spPr>
         <p:style>
           <a:lnRef idx="2">
-            <a:schemeClr val="accent4">
+            <a:schemeClr val="accent1">
               <a:shade val="50000"/>
             </a:schemeClr>
           </a:lnRef>
           <a:fillRef idx="1">
-            <a:schemeClr val="accent4"/>
+            <a:schemeClr val="accent1"/>
           </a:fillRef>
           <a:effectRef idx="0">
-            <a:schemeClr val="accent4"/>
+            <a:schemeClr val="accent1"/>
           </a:effectRef>
           <a:fontRef idx="minor">
             <a:schemeClr val="lt1"/>
@@ -5033,320 +4883,16 @@
           <a:lstStyle/>
           <a:p>
             <a:pPr algn="ctr"/>
-            <a:r>
-              <a:rPr lang="en-CA" sz="4400" b="1" dirty="0">
-                <a:ln w="22225">
-                  <a:solidFill>
-                    <a:schemeClr val="accent2"/>
-                  </a:solidFill>
-                  <a:prstDash val="solid"/>
-                </a:ln>
-                <a:solidFill>
-                  <a:schemeClr val="bg2">
-                    <a:lumMod val="10000"/>
-                  </a:schemeClr>
-                </a:solidFill>
-              </a:rPr>
-              <a:t>FBO</a:t>
-            </a:r>
-          </a:p>
-          <a:p>
-            <a:pPr algn="ctr"/>
-            <a:endParaRPr lang="en-CA" b="1" dirty="0">
-              <a:ln w="22225">
-                <a:solidFill>
-                  <a:schemeClr val="accent2"/>
-                </a:solidFill>
-                <a:prstDash val="solid"/>
-              </a:ln>
-              <a:solidFill>
-                <a:schemeClr val="accent2">
-                  <a:lumMod val="40000"/>
-                  <a:lumOff val="60000"/>
-                </a:schemeClr>
-              </a:solidFill>
-            </a:endParaRPr>
-          </a:p>
-          <a:p>
-            <a:pPr algn="ctr"/>
-            <a:endParaRPr lang="en-CA" b="1" dirty="0">
-              <a:ln w="22225">
-                <a:solidFill>
-                  <a:schemeClr val="accent2"/>
-                </a:solidFill>
-                <a:prstDash val="solid"/>
-              </a:ln>
-              <a:solidFill>
-                <a:schemeClr val="accent2">
-                  <a:lumMod val="40000"/>
-                  <a:lumOff val="60000"/>
-                </a:schemeClr>
-              </a:solidFill>
-            </a:endParaRPr>
-          </a:p>
-          <a:p>
-            <a:pPr algn="ctr"/>
-            <a:endParaRPr lang="en-CA" b="1" dirty="0">
-              <a:ln w="22225">
-                <a:solidFill>
-                  <a:schemeClr val="accent2"/>
-                </a:solidFill>
-                <a:prstDash val="solid"/>
-              </a:ln>
-              <a:solidFill>
-                <a:schemeClr val="accent2">
-                  <a:lumMod val="40000"/>
-                  <a:lumOff val="60000"/>
-                </a:schemeClr>
-              </a:solidFill>
-            </a:endParaRPr>
-          </a:p>
-          <a:p>
-            <a:pPr algn="ctr"/>
-            <a:endParaRPr lang="en-CA" b="1" dirty="0">
-              <a:ln w="22225">
-                <a:solidFill>
-                  <a:schemeClr val="accent2"/>
-                </a:solidFill>
-                <a:prstDash val="solid"/>
-              </a:ln>
-              <a:solidFill>
-                <a:schemeClr val="accent2">
-                  <a:lumMod val="40000"/>
-                  <a:lumOff val="60000"/>
-                </a:schemeClr>
-              </a:solidFill>
-            </a:endParaRPr>
-          </a:p>
-          <a:p>
-            <a:pPr algn="ctr"/>
-            <a:endParaRPr lang="en-CA" b="1" dirty="0">
-              <a:ln w="22225">
-                <a:solidFill>
-                  <a:schemeClr val="accent2"/>
-                </a:solidFill>
-                <a:prstDash val="solid"/>
-              </a:ln>
-              <a:solidFill>
-                <a:schemeClr val="accent2">
-                  <a:lumMod val="40000"/>
-                  <a:lumOff val="60000"/>
-                </a:schemeClr>
-              </a:solidFill>
-            </a:endParaRPr>
-          </a:p>
-          <a:p>
-            <a:pPr algn="ctr"/>
-            <a:endParaRPr lang="en-CA" b="1" dirty="0">
-              <a:ln w="22225">
-                <a:solidFill>
-                  <a:schemeClr val="accent2"/>
-                </a:solidFill>
-                <a:prstDash val="solid"/>
-              </a:ln>
-              <a:solidFill>
-                <a:schemeClr val="accent2">
-                  <a:lumMod val="40000"/>
-                  <a:lumOff val="60000"/>
-                </a:schemeClr>
-              </a:solidFill>
-            </a:endParaRPr>
-          </a:p>
-          <a:p>
-            <a:pPr algn="ctr"/>
-            <a:endParaRPr lang="en-CA" b="1" dirty="0">
-              <a:ln w="22225">
-                <a:solidFill>
-                  <a:schemeClr val="accent2"/>
-                </a:solidFill>
-                <a:prstDash val="solid"/>
-              </a:ln>
-              <a:solidFill>
-                <a:schemeClr val="accent2">
-                  <a:lumMod val="40000"/>
-                  <a:lumOff val="60000"/>
-                </a:schemeClr>
-              </a:solidFill>
-            </a:endParaRPr>
-          </a:p>
-          <a:p>
-            <a:pPr algn="ctr"/>
-            <a:endParaRPr lang="en-CA" b="1" dirty="0">
-              <a:ln w="22225">
-                <a:solidFill>
-                  <a:schemeClr val="accent2"/>
-                </a:solidFill>
-                <a:prstDash val="solid"/>
-              </a:ln>
-              <a:solidFill>
-                <a:schemeClr val="accent2">
-                  <a:lumMod val="40000"/>
-                  <a:lumOff val="60000"/>
-                </a:schemeClr>
-              </a:solidFill>
-            </a:endParaRPr>
-          </a:p>
-          <a:p>
-            <a:pPr algn="ctr"/>
-            <a:endParaRPr lang="en-CA" b="1" dirty="0">
-              <a:ln w="22225">
-                <a:solidFill>
-                  <a:schemeClr val="accent2"/>
-                </a:solidFill>
-                <a:prstDash val="solid"/>
-              </a:ln>
-              <a:solidFill>
-                <a:schemeClr val="accent2">
-                  <a:lumMod val="40000"/>
-                  <a:lumOff val="60000"/>
-                </a:schemeClr>
-              </a:solidFill>
-            </a:endParaRPr>
-          </a:p>
-          <a:p>
-            <a:pPr algn="ctr"/>
-            <a:endParaRPr lang="en-CA" b="1" dirty="0">
-              <a:ln w="22225">
-                <a:solidFill>
-                  <a:schemeClr val="accent2"/>
-                </a:solidFill>
-                <a:prstDash val="solid"/>
-              </a:ln>
-              <a:solidFill>
-                <a:schemeClr val="accent2">
-                  <a:lumMod val="40000"/>
-                  <a:lumOff val="60000"/>
-                </a:schemeClr>
-              </a:solidFill>
-            </a:endParaRPr>
-          </a:p>
-          <a:p>
-            <a:pPr algn="ctr"/>
-            <a:endParaRPr lang="en-CA" b="1" dirty="0">
-              <a:ln w="22225">
-                <a:solidFill>
-                  <a:schemeClr val="accent2"/>
-                </a:solidFill>
-                <a:prstDash val="solid"/>
-              </a:ln>
-              <a:solidFill>
-                <a:schemeClr val="accent2">
-                  <a:lumMod val="40000"/>
-                  <a:lumOff val="60000"/>
-                </a:schemeClr>
-              </a:solidFill>
-            </a:endParaRPr>
-          </a:p>
-          <a:p>
-            <a:pPr algn="ctr"/>
-            <a:endParaRPr lang="en-CA" b="1" dirty="0">
-              <a:ln w="22225">
-                <a:solidFill>
-                  <a:schemeClr val="accent2"/>
-                </a:solidFill>
-                <a:prstDash val="solid"/>
-              </a:ln>
-              <a:solidFill>
-                <a:schemeClr val="accent2">
-                  <a:lumMod val="40000"/>
-                  <a:lumOff val="60000"/>
-                </a:schemeClr>
-              </a:solidFill>
-            </a:endParaRPr>
-          </a:p>
-          <a:p>
-            <a:pPr algn="ctr"/>
-            <a:endParaRPr lang="en-CA" b="1" dirty="0">
-              <a:ln w="22225">
-                <a:solidFill>
-                  <a:schemeClr val="accent2"/>
-                </a:solidFill>
-                <a:prstDash val="solid"/>
-              </a:ln>
-              <a:solidFill>
-                <a:schemeClr val="accent2">
-                  <a:lumMod val="40000"/>
-                  <a:lumOff val="60000"/>
-                </a:schemeClr>
-              </a:solidFill>
-            </a:endParaRPr>
-          </a:p>
-          <a:p>
-            <a:pPr algn="ctr"/>
-            <a:endParaRPr lang="en-CA" b="1" dirty="0">
-              <a:ln w="22225">
-                <a:solidFill>
-                  <a:schemeClr val="accent2"/>
-                </a:solidFill>
-                <a:prstDash val="solid"/>
-              </a:ln>
-              <a:solidFill>
-                <a:schemeClr val="accent2">
-                  <a:lumMod val="40000"/>
-                  <a:lumOff val="60000"/>
-                </a:schemeClr>
-              </a:solidFill>
-            </a:endParaRPr>
-          </a:p>
-          <a:p>
-            <a:pPr algn="ctr"/>
-            <a:endParaRPr lang="en-CA" b="1" dirty="0">
-              <a:ln w="22225">
-                <a:solidFill>
-                  <a:schemeClr val="accent2"/>
-                </a:solidFill>
-                <a:prstDash val="solid"/>
-              </a:ln>
-              <a:solidFill>
-                <a:schemeClr val="accent2">
-                  <a:lumMod val="40000"/>
-                  <a:lumOff val="60000"/>
-                </a:schemeClr>
-              </a:solidFill>
-            </a:endParaRPr>
-          </a:p>
-          <a:p>
-            <a:pPr algn="ctr"/>
-            <a:endParaRPr lang="en-CA" b="1" dirty="0">
-              <a:ln w="22225">
-                <a:solidFill>
-                  <a:schemeClr val="accent2"/>
-                </a:solidFill>
-                <a:prstDash val="solid"/>
-              </a:ln>
-              <a:solidFill>
-                <a:schemeClr val="accent2">
-                  <a:lumMod val="40000"/>
-                  <a:lumOff val="60000"/>
-                </a:schemeClr>
-              </a:solidFill>
-            </a:endParaRPr>
-          </a:p>
-          <a:p>
-            <a:pPr algn="ctr"/>
-            <a:endParaRPr lang="en-CA" b="1" dirty="0">
-              <a:ln w="22225">
-                <a:solidFill>
-                  <a:schemeClr val="accent2"/>
-                </a:solidFill>
-                <a:prstDash val="solid"/>
-              </a:ln>
-              <a:solidFill>
-                <a:schemeClr val="accent2">
-                  <a:lumMod val="40000"/>
-                  <a:lumOff val="60000"/>
-                </a:schemeClr>
-              </a:solidFill>
-            </a:endParaRPr>
-          </a:p>
-        </p:txBody>
-      </p:sp>
-      <p:sp>
-        <p:nvSpPr>
-          <p:cNvPr id="4" name="Rectangle: Rounded Corners 3">
-            <a:extLst>
-              <a:ext uri="{FF2B5EF4-FFF2-40B4-BE49-F238E27FC236}">
-                <a16:creationId xmlns:a16="http://schemas.microsoft.com/office/drawing/2014/main" id="{9979CD26-5D33-1713-6AE3-E266F8DE4EF0}"/>
+            <a:endParaRPr lang="en-CA"/>
+          </a:p>
+        </p:txBody>
+      </p:sp>
+      <p:sp>
+        <p:nvSpPr>
+          <p:cNvPr id="3" name="Arrow: Right 2">
+            <a:extLst>
+              <a:ext uri="{FF2B5EF4-FFF2-40B4-BE49-F238E27FC236}">
+                <a16:creationId xmlns:a16="http://schemas.microsoft.com/office/drawing/2014/main" id="{0E49B2B4-DFC5-ACC8-9082-15BDDAC8F616}"/>
               </a:ext>
             </a:extLst>
           </p:cNvPr>
@@ -5354,8 +4900,54 @@
           <p:nvPr/>
         </p:nvSpPr>
         <p:spPr>
+          <a:xfrm rot="2195090">
+            <a:off x="3777489" y="1228195"/>
+            <a:ext cx="1798756" cy="957943"/>
+          </a:xfrm>
+          <a:prstGeom prst="rightArrow">
+            <a:avLst/>
+          </a:prstGeom>
+        </p:spPr>
+        <p:style>
+          <a:lnRef idx="2">
+            <a:schemeClr val="accent1">
+              <a:shade val="50000"/>
+            </a:schemeClr>
+          </a:lnRef>
+          <a:fillRef idx="1">
+            <a:schemeClr val="accent1"/>
+          </a:fillRef>
+          <a:effectRef idx="0">
+            <a:schemeClr val="accent1"/>
+          </a:effectRef>
+          <a:fontRef idx="minor">
+            <a:schemeClr val="lt1"/>
+          </a:fontRef>
+        </p:style>
+        <p:txBody>
+          <a:bodyPr rtlCol="0" anchor="ctr"/>
+          <a:lstStyle/>
+          <a:p>
+            <a:pPr algn="ctr"/>
+            <a:endParaRPr lang="en-CA"/>
+          </a:p>
+        </p:txBody>
+      </p:sp>
+      <p:sp>
+        <p:nvSpPr>
+          <p:cNvPr id="2" name="Rectangle: Rounded Corners 1">
+            <a:extLst>
+              <a:ext uri="{FF2B5EF4-FFF2-40B4-BE49-F238E27FC236}">
+                <a16:creationId xmlns:a16="http://schemas.microsoft.com/office/drawing/2014/main" id="{A7810DEC-E135-439F-50A8-58ED547F3AFD}"/>
+              </a:ext>
+            </a:extLst>
+          </p:cNvPr>
+          <p:cNvSpPr/>
+          <p:nvPr/>
+        </p:nvSpPr>
+        <p:spPr>
           <a:xfrm>
-            <a:off x="642257" y="2090056"/>
+            <a:off x="9074767" y="1919804"/>
             <a:ext cx="2819400" cy="1719943"/>
           </a:xfrm>
           <a:prstGeom prst="roundRect">
@@ -5385,17 +4977,17 @@
             <a:pPr algn="ctr"/>
             <a:r>
               <a:rPr lang="en-CA" dirty="0"/>
-              <a:t>OpenGL</a:t>
-            </a:r>
-          </a:p>
-        </p:txBody>
-      </p:sp>
-      <p:sp>
-        <p:nvSpPr>
-          <p:cNvPr id="5" name="Rectangle 4">
-            <a:extLst>
-              <a:ext uri="{FF2B5EF4-FFF2-40B4-BE49-F238E27FC236}">
-                <a16:creationId xmlns:a16="http://schemas.microsoft.com/office/drawing/2014/main" id="{3E7C39FD-0879-82C0-AEBB-0AF6AE49EABF}"/>
+              <a:t>Scene</a:t>
+            </a:r>
+          </a:p>
+        </p:txBody>
+      </p:sp>
+      <p:sp>
+        <p:nvSpPr>
+          <p:cNvPr id="8" name="Arrow: Pentagon 7">
+            <a:extLst>
+              <a:ext uri="{FF2B5EF4-FFF2-40B4-BE49-F238E27FC236}">
+                <a16:creationId xmlns:a16="http://schemas.microsoft.com/office/drawing/2014/main" id="{2CB399ED-2F04-AD89-F9E9-DEF1841C424D}"/>
               </a:ext>
             </a:extLst>
           </p:cNvPr>
@@ -5404,17 +4996,17 @@
         </p:nvSpPr>
         <p:spPr>
           <a:xfrm>
-            <a:off x="5780315" y="1349828"/>
-            <a:ext cx="4887686" cy="1981200"/>
+            <a:off x="5511809" y="1630089"/>
+            <a:ext cx="3414912" cy="2249860"/>
           </a:xfrm>
-          <a:prstGeom prst="rect">
+          <a:prstGeom prst="homePlate">
             <a:avLst/>
           </a:prstGeom>
         </p:spPr>
         <p:style>
           <a:lnRef idx="2">
             <a:schemeClr val="accent1">
-              <a:shade val="50000"/>
+              <a:shade val="15000"/>
             </a:schemeClr>
           </a:lnRef>
           <a:fillRef idx="1">
@@ -5434,149 +5026,15 @@
             <a:pPr algn="ctr"/>
             <a:r>
               <a:rPr lang="en-CA" dirty="0"/>
-              <a:t>Color buffer (2D Array)</a:t>
-            </a:r>
-          </a:p>
-          <a:p>
-            <a:pPr algn="ctr"/>
-            <a:r>
-              <a:rPr lang="en-CA" dirty="0"/>
-              <a:t>RGBA8</a:t>
-            </a:r>
-          </a:p>
-          <a:p>
-            <a:pPr algn="ctr"/>
-            <a:r>
-              <a:rPr lang="en-CA" dirty="0"/>
-              <a:t>(8 bits/pixel = 32 bi</a:t>
-            </a:r>
-          </a:p>
-          <a:p>
-            <a:pPr algn="ctr"/>
-            <a:r>
-              <a:rPr lang="en-CA" dirty="0"/>
-              <a:t>Can have up to 8 of these COLOR buffer</a:t>
-            </a:r>
-          </a:p>
-        </p:txBody>
-      </p:sp>
-      <p:sp>
-        <p:nvSpPr>
-          <p:cNvPr id="6" name="Rectangle 5">
-            <a:extLst>
-              <a:ext uri="{FF2B5EF4-FFF2-40B4-BE49-F238E27FC236}">
-                <a16:creationId xmlns:a16="http://schemas.microsoft.com/office/drawing/2014/main" id="{E71148E5-0E11-428D-E0D4-1AA290C46801}"/>
-              </a:ext>
-            </a:extLst>
-          </p:cNvPr>
-          <p:cNvSpPr/>
-          <p:nvPr/>
-        </p:nvSpPr>
-        <p:spPr>
-          <a:xfrm>
-            <a:off x="5780315" y="3526971"/>
-            <a:ext cx="4887686" cy="1981200"/>
-          </a:xfrm>
-          <a:prstGeom prst="rect">
-            <a:avLst/>
-          </a:prstGeom>
-        </p:spPr>
-        <p:style>
-          <a:lnRef idx="2">
-            <a:schemeClr val="accent1">
-              <a:shade val="50000"/>
-            </a:schemeClr>
-          </a:lnRef>
-          <a:fillRef idx="1">
-            <a:schemeClr val="accent1"/>
-          </a:fillRef>
-          <a:effectRef idx="0">
-            <a:schemeClr val="accent1"/>
-          </a:effectRef>
-          <a:fontRef idx="minor">
-            <a:schemeClr val="lt1"/>
-          </a:fontRef>
-        </p:style>
-        <p:txBody>
-          <a:bodyPr rtlCol="0" anchor="ctr"/>
-          <a:lstStyle/>
-          <a:p>
-            <a:pPr algn="ctr"/>
-            <a:r>
-              <a:rPr lang="en-CA" b="1" dirty="0"/>
-              <a:t>Depth buffer </a:t>
-            </a:r>
-            <a:r>
-              <a:rPr lang="en-CA" dirty="0"/>
-              <a:t>(2D Array)</a:t>
-            </a:r>
-          </a:p>
-          <a:p>
-            <a:pPr algn="ctr"/>
-            <a:r>
-              <a:rPr lang="en-CA" dirty="0"/>
-              <a:t>(common depth = 24 bits)</a:t>
-            </a:r>
-          </a:p>
-          <a:p>
-            <a:pPr algn="ctr"/>
-            <a:r>
-              <a:rPr lang="en-CA" dirty="0"/>
-              <a:t>(stencil = 8 bit)</a:t>
-            </a:r>
-          </a:p>
-        </p:txBody>
-      </p:sp>
-      <p:sp>
-        <p:nvSpPr>
-          <p:cNvPr id="7" name="Arrow: Right 6">
-            <a:extLst>
-              <a:ext uri="{FF2B5EF4-FFF2-40B4-BE49-F238E27FC236}">
-                <a16:creationId xmlns:a16="http://schemas.microsoft.com/office/drawing/2014/main" id="{E6B56AD9-14A0-BCC1-2712-A4DF28CE23F9}"/>
-              </a:ext>
-            </a:extLst>
-          </p:cNvPr>
-          <p:cNvSpPr/>
-          <p:nvPr/>
-        </p:nvSpPr>
-        <p:spPr>
-          <a:xfrm>
-            <a:off x="3461657" y="2471057"/>
-            <a:ext cx="2057400" cy="957943"/>
-          </a:xfrm>
-          <a:prstGeom prst="rightArrow">
-            <a:avLst/>
-          </a:prstGeom>
-        </p:spPr>
-        <p:style>
-          <a:lnRef idx="2">
-            <a:schemeClr val="accent1">
-              <a:shade val="50000"/>
-            </a:schemeClr>
-          </a:lnRef>
-          <a:fillRef idx="1">
-            <a:schemeClr val="accent1"/>
-          </a:fillRef>
-          <a:effectRef idx="0">
-            <a:schemeClr val="accent1"/>
-          </a:effectRef>
-          <a:fontRef idx="minor">
-            <a:schemeClr val="lt1"/>
-          </a:fontRef>
-        </p:style>
-        <p:txBody>
-          <a:bodyPr rtlCol="0" anchor="ctr"/>
-          <a:lstStyle/>
-          <a:p>
-            <a:pPr algn="ctr"/>
-            <a:endParaRPr lang="en-CA"/>
+              <a:t>Samples the colour from the scene and then uses the “colour” from the bottom (lights) to blur that pixel.</a:t>
+            </a:r>
           </a:p>
         </p:txBody>
       </p:sp>
     </p:spTree>
     <p:extLst>
       <p:ext uri="{BB962C8B-B14F-4D97-AF65-F5344CB8AC3E}">
-        <p14:creationId xmlns:p14="http://schemas.microsoft.com/office/powerpoint/2010/main" val="778391819"/>
+        <p14:creationId xmlns:p14="http://schemas.microsoft.com/office/powerpoint/2010/main" val="1054422421"/>
       </p:ext>
     </p:extLst>
   </p:cSld>
@@ -5586,7 +5044,7 @@
 </p:sld>
 </file>
 
-<file path=ppt/slides/slide5.xml><?xml version="1.0" encoding="utf-8"?>
+<file path=ppt/slides/slide7.xml><?xml version="1.0" encoding="utf-8"?>
 <p:sld xmlns:a="http://schemas.openxmlformats.org/drawingml/2006/main" xmlns:r="http://schemas.openxmlformats.org/officeDocument/2006/relationships" xmlns:p="http://schemas.openxmlformats.org/presentationml/2006/main">
   <p:cSld>
     <p:spTree>
